--- a/COMPUTER LAB 3/pictures/StataOutput-Collection.pptx
+++ b/COMPUTER LAB 3/pictures/StataOutput-Collection.pptx
@@ -220,7 +220,7 @@
           <a:p>
             <a:fld id="{11230EE8-7329-3B4E-92AD-C91056668BFD}" type="datetimeFigureOut">
               <a:rPr lang="en-US" smtClean="0"/>
-              <a:t>2/20/24</a:t>
+              <a:t>2/21/24</a:t>
             </a:fld>
             <a:endParaRPr lang="en-US"/>
           </a:p>
@@ -889,7 +889,7 @@
           <a:p>
             <a:fld id="{FA5AAE5A-BFCB-0541-94DE-3940180FDFB9}" type="datetimeFigureOut">
               <a:rPr lang="en-US" smtClean="0"/>
-              <a:t>2/20/24</a:t>
+              <a:t>2/21/24</a:t>
             </a:fld>
             <a:endParaRPr lang="en-US"/>
           </a:p>
@@ -1089,7 +1089,7 @@
           <a:p>
             <a:fld id="{FA5AAE5A-BFCB-0541-94DE-3940180FDFB9}" type="datetimeFigureOut">
               <a:rPr lang="en-US" smtClean="0"/>
-              <a:t>2/20/24</a:t>
+              <a:t>2/21/24</a:t>
             </a:fld>
             <a:endParaRPr lang="en-US"/>
           </a:p>
@@ -1299,7 +1299,7 @@
           <a:p>
             <a:fld id="{FA5AAE5A-BFCB-0541-94DE-3940180FDFB9}" type="datetimeFigureOut">
               <a:rPr lang="en-US" smtClean="0"/>
-              <a:t>2/20/24</a:t>
+              <a:t>2/21/24</a:t>
             </a:fld>
             <a:endParaRPr lang="en-US"/>
           </a:p>
@@ -1499,7 +1499,7 @@
           <a:p>
             <a:fld id="{FA5AAE5A-BFCB-0541-94DE-3940180FDFB9}" type="datetimeFigureOut">
               <a:rPr lang="en-US" smtClean="0"/>
-              <a:t>2/20/24</a:t>
+              <a:t>2/21/24</a:t>
             </a:fld>
             <a:endParaRPr lang="en-US"/>
           </a:p>
@@ -1775,7 +1775,7 @@
           <a:p>
             <a:fld id="{FA5AAE5A-BFCB-0541-94DE-3940180FDFB9}" type="datetimeFigureOut">
               <a:rPr lang="en-US" smtClean="0"/>
-              <a:t>2/20/24</a:t>
+              <a:t>2/21/24</a:t>
             </a:fld>
             <a:endParaRPr lang="en-US"/>
           </a:p>
@@ -2043,7 +2043,7 @@
           <a:p>
             <a:fld id="{FA5AAE5A-BFCB-0541-94DE-3940180FDFB9}" type="datetimeFigureOut">
               <a:rPr lang="en-US" smtClean="0"/>
-              <a:t>2/20/24</a:t>
+              <a:t>2/21/24</a:t>
             </a:fld>
             <a:endParaRPr lang="en-US"/>
           </a:p>
@@ -2458,7 +2458,7 @@
           <a:p>
             <a:fld id="{FA5AAE5A-BFCB-0541-94DE-3940180FDFB9}" type="datetimeFigureOut">
               <a:rPr lang="en-US" smtClean="0"/>
-              <a:t>2/20/24</a:t>
+              <a:t>2/21/24</a:t>
             </a:fld>
             <a:endParaRPr lang="en-US"/>
           </a:p>
@@ -2600,7 +2600,7 @@
           <a:p>
             <a:fld id="{FA5AAE5A-BFCB-0541-94DE-3940180FDFB9}" type="datetimeFigureOut">
               <a:rPr lang="en-US" smtClean="0"/>
-              <a:t>2/20/24</a:t>
+              <a:t>2/21/24</a:t>
             </a:fld>
             <a:endParaRPr lang="en-US"/>
           </a:p>
@@ -2713,7 +2713,7 @@
           <a:p>
             <a:fld id="{FA5AAE5A-BFCB-0541-94DE-3940180FDFB9}" type="datetimeFigureOut">
               <a:rPr lang="en-US" smtClean="0"/>
-              <a:t>2/20/24</a:t>
+              <a:t>2/21/24</a:t>
             </a:fld>
             <a:endParaRPr lang="en-US"/>
           </a:p>
@@ -3026,7 +3026,7 @@
           <a:p>
             <a:fld id="{FA5AAE5A-BFCB-0541-94DE-3940180FDFB9}" type="datetimeFigureOut">
               <a:rPr lang="en-US" smtClean="0"/>
-              <a:t>2/20/24</a:t>
+              <a:t>2/21/24</a:t>
             </a:fld>
             <a:endParaRPr lang="en-US"/>
           </a:p>
@@ -3315,7 +3315,7 @@
           <a:p>
             <a:fld id="{FA5AAE5A-BFCB-0541-94DE-3940180FDFB9}" type="datetimeFigureOut">
               <a:rPr lang="en-US" smtClean="0"/>
-              <a:t>2/20/24</a:t>
+              <a:t>2/21/24</a:t>
             </a:fld>
             <a:endParaRPr lang="en-US"/>
           </a:p>
@@ -3558,7 +3558,7 @@
           <a:p>
             <a:fld id="{FA5AAE5A-BFCB-0541-94DE-3940180FDFB9}" type="datetimeFigureOut">
               <a:rPr lang="en-US" smtClean="0"/>
-              <a:t>2/20/24</a:t>
+              <a:t>2/21/24</a:t>
             </a:fld>
             <a:endParaRPr lang="en-US"/>
           </a:p>
@@ -4446,6 +4446,35 @@
           <a:xfrm>
             <a:off x="481361" y="396604"/>
             <a:ext cx="7772400" cy="1537397"/>
+          </a:xfrm>
+          <a:prstGeom prst="rect">
+            <a:avLst/>
+          </a:prstGeom>
+        </p:spPr>
+      </p:pic>
+      <p:pic>
+        <p:nvPicPr>
+          <p:cNvPr id="2" name="Picture 1">
+            <a:extLst>
+              <a:ext uri="{FF2B5EF4-FFF2-40B4-BE49-F238E27FC236}">
+                <a16:creationId xmlns:a16="http://schemas.microsoft.com/office/drawing/2014/main" id="{B11B8EA6-C135-18A2-862A-6C1E6C927E3F}"/>
+              </a:ext>
+            </a:extLst>
+          </p:cNvPr>
+          <p:cNvPicPr>
+            <a:picLocks noChangeAspect="1"/>
+          </p:cNvPicPr>
+          <p:nvPr/>
+        </p:nvPicPr>
+        <p:blipFill rotWithShape="1">
+          <a:blip r:embed="rId3"/>
+          <a:srcRect r="42412"/>
+          <a:stretch/>
+        </p:blipFill>
+        <p:spPr>
+          <a:xfrm>
+            <a:off x="481361" y="2869436"/>
+            <a:ext cx="6556683" cy="1314636"/>
           </a:xfrm>
           <a:prstGeom prst="rect">
             <a:avLst/>
